--- a/src/Tests/sample.pptx
+++ b/src/Tests/sample.pptx
@@ -248,7 +248,7 @@
             </a:extLst>
           </p:cNvPr>
           <p:cNvSpPr>
-            <a:spLocks noGrp="1" noChangeArrowheads="1"/>
+            <a:spLocks noGrp="1" noRot="1" noChangeAspect="1" noChangeArrowheads="1"/>
           </p:cNvSpPr>
           <p:nvPr>
             <p:ph type="sldImg"/>
@@ -961,7 +961,7 @@
             </a:extLst>
           </p:cNvPr>
           <p:cNvSpPr txBox="1">
-            <a:spLocks noChangeArrowheads="1"/>
+            <a:spLocks noGrp="1" noRot="1" noChangeAspect="1" noChangeArrowheads="1"/>
           </p:cNvSpPr>
           <p:nvPr>
             <p:ph type="sldImg"/>
@@ -1009,7 +1009,7 @@
             </a:extLst>
           </p:cNvPr>
           <p:cNvSpPr txBox="1">
-            <a:spLocks noChangeArrowheads="1"/>
+            <a:spLocks noGrp="1" noChangeArrowheads="1"/>
           </p:cNvSpPr>
           <p:nvPr>
             <p:ph type="body" idx="1"/>
@@ -1137,7 +1137,7 @@
             </a:extLst>
           </p:cNvPr>
           <p:cNvSpPr txBox="1">
-            <a:spLocks noChangeArrowheads="1"/>
+            <a:spLocks noGrp="1" noRot="1" noChangeAspect="1" noChangeArrowheads="1"/>
           </p:cNvSpPr>
           <p:nvPr>
             <p:ph type="sldImg"/>
@@ -1185,7 +1185,7 @@
             </a:extLst>
           </p:cNvPr>
           <p:cNvSpPr txBox="1">
-            <a:spLocks noChangeArrowheads="1"/>
+            <a:spLocks noGrp="1" noChangeArrowheads="1"/>
           </p:cNvSpPr>
           <p:nvPr>
             <p:ph type="body" idx="1"/>
@@ -1313,7 +1313,7 @@
             </a:extLst>
           </p:cNvPr>
           <p:cNvSpPr txBox="1">
-            <a:spLocks noChangeArrowheads="1"/>
+            <a:spLocks noGrp="1" noRot="1" noChangeAspect="1" noChangeArrowheads="1"/>
           </p:cNvSpPr>
           <p:nvPr>
             <p:ph type="sldImg"/>
@@ -1361,7 +1361,7 @@
             </a:extLst>
           </p:cNvPr>
           <p:cNvSpPr txBox="1">
-            <a:spLocks noChangeArrowheads="1"/>
+            <a:spLocks noGrp="1" noChangeArrowheads="1"/>
           </p:cNvSpPr>
           <p:nvPr>
             <p:ph type="body" idx="1"/>
@@ -9232,8 +9232,552 @@
               </a:tabLst>
             </a:pPr>
             <a:r>
+              <a:rPr lang="en-US" altLang="en-US" sz="1500" dirty="0"/>
+              <a:t>Lorem ipsum dolor sit </a:t>
+            </a:r>
+            <a:r>
+              <a:rPr lang="en-US" altLang="en-US" sz="1500" dirty="0" err="1"/>
+              <a:t>amet</a:t>
+            </a:r>
+            <a:r>
+              <a:rPr lang="en-US" altLang="en-US" sz="1500" dirty="0"/>
+              <a:t>, </a:t>
+            </a:r>
+            <a:r>
+              <a:rPr lang="en-US" altLang="en-US" sz="1500" dirty="0" err="1"/>
+              <a:t>consectetur</a:t>
+            </a:r>
+            <a:r>
+              <a:rPr lang="en-US" altLang="en-US" sz="1500" dirty="0"/>
+              <a:t> </a:t>
+            </a:r>
+            <a:r>
+              <a:rPr lang="en-US" altLang="en-US" sz="1500" dirty="0" err="1"/>
+              <a:t>adipiscing</a:t>
+            </a:r>
+            <a:r>
+              <a:rPr lang="en-US" altLang="en-US" sz="1500" dirty="0"/>
+              <a:t> </a:t>
+            </a:r>
+            <a:r>
+              <a:rPr lang="en-US" altLang="en-US" sz="1500" dirty="0" err="1"/>
+              <a:t>elit</a:t>
+            </a:r>
+            <a:r>
+              <a:rPr lang="en-US" altLang="en-US" sz="1500" dirty="0"/>
+              <a:t>. Nunc ac </a:t>
+            </a:r>
+            <a:r>
+              <a:rPr lang="en-US" altLang="en-US" sz="1500" dirty="0" err="1"/>
+              <a:t>faucibus</a:t>
+            </a:r>
+            <a:r>
+              <a:rPr lang="en-US" altLang="en-US" sz="1500" dirty="0"/>
+              <a:t> </a:t>
+            </a:r>
+            <a:r>
+              <a:rPr lang="en-US" altLang="en-US" sz="1500" dirty="0" err="1"/>
+              <a:t>odio</a:t>
+            </a:r>
+            <a:r>
+              <a:rPr lang="en-US" altLang="en-US" sz="1500" dirty="0"/>
+              <a:t>. Vestibulum </a:t>
+            </a:r>
+            <a:r>
+              <a:rPr lang="en-US" altLang="en-US" sz="1500" dirty="0" err="1"/>
+              <a:t>neque</a:t>
+            </a:r>
+            <a:r>
+              <a:rPr lang="en-US" altLang="en-US" sz="1500" dirty="0"/>
+              <a:t> </a:t>
+            </a:r>
+            <a:r>
+              <a:rPr lang="en-US" altLang="en-US" sz="1500" dirty="0" err="1"/>
+              <a:t>massa</a:t>
+            </a:r>
+            <a:r>
+              <a:rPr lang="en-US" altLang="en-US" sz="1500" dirty="0"/>
+              <a:t>, </a:t>
+            </a:r>
+            <a:r>
+              <a:rPr lang="en-US" altLang="en-US" sz="1500" dirty="0" err="1"/>
+              <a:t>scelerisque</a:t>
+            </a:r>
+            <a:r>
+              <a:rPr lang="en-US" altLang="en-US" sz="1500" dirty="0"/>
+              <a:t> sit </a:t>
+            </a:r>
+            <a:r>
+              <a:rPr lang="en-US" altLang="en-US" sz="1500" dirty="0" err="1"/>
+              <a:t>amet</a:t>
+            </a:r>
+            <a:r>
+              <a:rPr lang="en-US" altLang="en-US" sz="1500" dirty="0"/>
+              <a:t> ligula </a:t>
+            </a:r>
+            <a:r>
+              <a:rPr lang="en-US" altLang="en-US" sz="1500" dirty="0" err="1"/>
+              <a:t>eu</a:t>
+            </a:r>
+            <a:r>
+              <a:rPr lang="en-US" altLang="en-US" sz="1500" dirty="0"/>
+              <a:t>, </a:t>
+            </a:r>
+            <a:r>
               <a:rPr lang="en-US" altLang="en-US" sz="1500"/>
-              <a:t>Lorem ipsum dolor sit amet, consectetur adipiscing elit. Nunc ac faucibus odio. Vestibulum neque massa, scelerisque sit amet ligula eu, congue molestie mi. Praesent ut varius sem. Nullam at porttitor arcu, nec lacinia nisi. Ut ac dolor vitae odio interdum condimentum. Vivamus dapibus sodales ex, vitae malesuada ipsum cursus convallis. Maecenas sed egestas nulla, ac condimentum orci. Mauris diam felis, vulputate ac suscipit et, iaculis non est. Curabitur semper arcu ac ligula semper, nec luctus nisl blandit. Integer lacinia ante ac libero lobortis imperdiet. Nullam mollis convallis ipsum, ac accumsan nunc vehicula vitae. Nulla eget justo in felis tristique fringilla. Morbi sit amet tortor quis risus auctor condimentum. Morbi in ullamcorper elit. Nulla iaculis tellus sit amet mauris tempus fringilla.</a:t>
+              <a:t>congue</a:t>
+            </a:r>
+            <a:r>
+              <a:rPr lang="en-US" altLang="en-US" sz="1500" dirty="0"/>
+              <a:t> </a:t>
+            </a:r>
+            <a:r>
+              <a:rPr lang="en-US" altLang="en-US" sz="1500" dirty="0" err="1"/>
+              <a:t>molestie</a:t>
+            </a:r>
+            <a:r>
+              <a:rPr lang="en-US" altLang="en-US" sz="1500" dirty="0"/>
+              <a:t> mi. </a:t>
+            </a:r>
+            <a:r>
+              <a:rPr lang="en-US" altLang="en-US" sz="1500" dirty="0" err="1"/>
+              <a:t>Praesent</a:t>
+            </a:r>
+            <a:r>
+              <a:rPr lang="en-US" altLang="en-US" sz="1500" dirty="0"/>
+              <a:t> </a:t>
+            </a:r>
+            <a:r>
+              <a:rPr lang="en-US" altLang="en-US" sz="1500" dirty="0" err="1"/>
+              <a:t>ut</a:t>
+            </a:r>
+            <a:r>
+              <a:rPr lang="en-US" altLang="en-US" sz="1500" dirty="0"/>
+              <a:t> </a:t>
+            </a:r>
+            <a:r>
+              <a:rPr lang="en-US" altLang="en-US" sz="1500" dirty="0" err="1"/>
+              <a:t>varius</a:t>
+            </a:r>
+            <a:r>
+              <a:rPr lang="en-US" altLang="en-US" sz="1500" dirty="0"/>
+              <a:t> sem. </a:t>
+            </a:r>
+            <a:r>
+              <a:rPr lang="en-US" altLang="en-US" sz="1500" dirty="0" err="1"/>
+              <a:t>Nullam</a:t>
+            </a:r>
+            <a:r>
+              <a:rPr lang="en-US" altLang="en-US" sz="1500" dirty="0"/>
+              <a:t> at </a:t>
+            </a:r>
+            <a:r>
+              <a:rPr lang="en-US" altLang="en-US" sz="1500" dirty="0" err="1"/>
+              <a:t>porttitor</a:t>
+            </a:r>
+            <a:r>
+              <a:rPr lang="en-US" altLang="en-US" sz="1500" dirty="0"/>
+              <a:t> </a:t>
+            </a:r>
+            <a:r>
+              <a:rPr lang="en-US" altLang="en-US" sz="1500" dirty="0" err="1"/>
+              <a:t>arcu</a:t>
+            </a:r>
+            <a:r>
+              <a:rPr lang="en-US" altLang="en-US" sz="1500" dirty="0"/>
+              <a:t>, </a:t>
+            </a:r>
+            <a:r>
+              <a:rPr lang="en-US" altLang="en-US" sz="1500" dirty="0" err="1"/>
+              <a:t>nec</a:t>
+            </a:r>
+            <a:r>
+              <a:rPr lang="en-US" altLang="en-US" sz="1500" dirty="0"/>
+              <a:t> lacinia nisi. Ut ac dolor vitae </a:t>
+            </a:r>
+            <a:r>
+              <a:rPr lang="en-US" altLang="en-US" sz="1500" dirty="0" err="1"/>
+              <a:t>odio</a:t>
+            </a:r>
+            <a:r>
+              <a:rPr lang="en-US" altLang="en-US" sz="1500" dirty="0"/>
+              <a:t> </a:t>
+            </a:r>
+            <a:r>
+              <a:rPr lang="en-US" altLang="en-US" sz="1500" dirty="0" err="1"/>
+              <a:t>interdum</a:t>
+            </a:r>
+            <a:r>
+              <a:rPr lang="en-US" altLang="en-US" sz="1500" dirty="0"/>
+              <a:t> </a:t>
+            </a:r>
+            <a:r>
+              <a:rPr lang="en-US" altLang="en-US" sz="1500" dirty="0" err="1"/>
+              <a:t>condimentum</a:t>
+            </a:r>
+            <a:r>
+              <a:rPr lang="en-US" altLang="en-US" sz="1500" dirty="0"/>
+              <a:t>. </a:t>
+            </a:r>
+            <a:r>
+              <a:rPr lang="en-US" altLang="en-US" sz="1500" dirty="0" err="1"/>
+              <a:t>Vivamus</a:t>
+            </a:r>
+            <a:r>
+              <a:rPr lang="en-US" altLang="en-US" sz="1500" dirty="0"/>
+              <a:t> </a:t>
+            </a:r>
+            <a:r>
+              <a:rPr lang="en-US" altLang="en-US" sz="1500" dirty="0" err="1"/>
+              <a:t>dapibus</a:t>
+            </a:r>
+            <a:r>
+              <a:rPr lang="en-US" altLang="en-US" sz="1500" dirty="0"/>
+              <a:t> </a:t>
+            </a:r>
+            <a:r>
+              <a:rPr lang="en-US" altLang="en-US" sz="1500" dirty="0" err="1"/>
+              <a:t>sodales</a:t>
+            </a:r>
+            <a:r>
+              <a:rPr lang="en-US" altLang="en-US" sz="1500" dirty="0"/>
+              <a:t> ex, vitae </a:t>
+            </a:r>
+            <a:r>
+              <a:rPr lang="en-US" altLang="en-US" sz="1500" dirty="0" err="1"/>
+              <a:t>malesuada</a:t>
+            </a:r>
+            <a:r>
+              <a:rPr lang="en-US" altLang="en-US" sz="1500" dirty="0"/>
+              <a:t> ipsum cursus convallis. Maecenas sed </a:t>
+            </a:r>
+            <a:r>
+              <a:rPr lang="en-US" altLang="en-US" sz="1500" dirty="0" err="1"/>
+              <a:t>egestas</a:t>
+            </a:r>
+            <a:r>
+              <a:rPr lang="en-US" altLang="en-US" sz="1500" dirty="0"/>
+              <a:t> </a:t>
+            </a:r>
+            <a:r>
+              <a:rPr lang="en-US" altLang="en-US" sz="1500" dirty="0" err="1"/>
+              <a:t>nulla</a:t>
+            </a:r>
+            <a:r>
+              <a:rPr lang="en-US" altLang="en-US" sz="1500" dirty="0"/>
+              <a:t>, ac </a:t>
+            </a:r>
+            <a:r>
+              <a:rPr lang="en-US" altLang="en-US" sz="1500" dirty="0" err="1"/>
+              <a:t>condimentum</a:t>
+            </a:r>
+            <a:r>
+              <a:rPr lang="en-US" altLang="en-US" sz="1500" dirty="0"/>
+              <a:t> </a:t>
+            </a:r>
+            <a:r>
+              <a:rPr lang="en-US" altLang="en-US" sz="1500" dirty="0" err="1"/>
+              <a:t>orci</a:t>
+            </a:r>
+            <a:r>
+              <a:rPr lang="en-US" altLang="en-US" sz="1500" dirty="0"/>
+              <a:t>. </a:t>
+            </a:r>
+            <a:r>
+              <a:rPr lang="en-US" altLang="en-US" sz="1500" dirty="0" err="1"/>
+              <a:t>Mauris</a:t>
+            </a:r>
+            <a:r>
+              <a:rPr lang="en-US" altLang="en-US" sz="1500" dirty="0"/>
+              <a:t> diam </a:t>
+            </a:r>
+            <a:r>
+              <a:rPr lang="en-US" altLang="en-US" sz="1500" dirty="0" err="1"/>
+              <a:t>felis</a:t>
+            </a:r>
+            <a:r>
+              <a:rPr lang="en-US" altLang="en-US" sz="1500" dirty="0"/>
+              <a:t>, </a:t>
+            </a:r>
+            <a:r>
+              <a:rPr lang="en-US" altLang="en-US" sz="1500" dirty="0" err="1"/>
+              <a:t>vulputate</a:t>
+            </a:r>
+            <a:r>
+              <a:rPr lang="en-US" altLang="en-US" sz="1500" dirty="0"/>
+              <a:t> ac </a:t>
+            </a:r>
+            <a:r>
+              <a:rPr lang="en-US" altLang="en-US" sz="1500" dirty="0" err="1"/>
+              <a:t>suscipit</a:t>
+            </a:r>
+            <a:r>
+              <a:rPr lang="en-US" altLang="en-US" sz="1500" dirty="0"/>
+              <a:t> et, </a:t>
+            </a:r>
+            <a:r>
+              <a:rPr lang="en-US" altLang="en-US" sz="1500" dirty="0" err="1"/>
+              <a:t>iaculis</a:t>
+            </a:r>
+            <a:r>
+              <a:rPr lang="en-US" altLang="en-US" sz="1500" dirty="0"/>
+              <a:t> non est. </a:t>
+            </a:r>
+            <a:r>
+              <a:rPr lang="en-US" altLang="en-US" sz="1500" dirty="0" err="1"/>
+              <a:t>Curabitur</a:t>
+            </a:r>
+            <a:r>
+              <a:rPr lang="en-US" altLang="en-US" sz="1500" dirty="0"/>
+              <a:t> semper </a:t>
+            </a:r>
+            <a:r>
+              <a:rPr lang="en-US" altLang="en-US" sz="1500" dirty="0" err="1"/>
+              <a:t>arcu</a:t>
+            </a:r>
+            <a:r>
+              <a:rPr lang="en-US" altLang="en-US" sz="1500" dirty="0"/>
+              <a:t> ac ligula semper, </a:t>
+            </a:r>
+            <a:r>
+              <a:rPr lang="en-US" altLang="en-US" sz="1500" dirty="0" err="1"/>
+              <a:t>nec</a:t>
+            </a:r>
+            <a:r>
+              <a:rPr lang="en-US" altLang="en-US" sz="1500" dirty="0"/>
+              <a:t> </a:t>
+            </a:r>
+            <a:r>
+              <a:rPr lang="en-US" altLang="en-US" sz="1500" dirty="0" err="1"/>
+              <a:t>luctus</a:t>
+            </a:r>
+            <a:r>
+              <a:rPr lang="en-US" altLang="en-US" sz="1500" dirty="0"/>
+              <a:t> </a:t>
+            </a:r>
+            <a:r>
+              <a:rPr lang="en-US" altLang="en-US" sz="1500" dirty="0" err="1"/>
+              <a:t>nisl</a:t>
+            </a:r>
+            <a:r>
+              <a:rPr lang="en-US" altLang="en-US" sz="1500" dirty="0"/>
+              <a:t> </a:t>
+            </a:r>
+            <a:r>
+              <a:rPr lang="en-US" altLang="en-US" sz="1500" dirty="0" err="1"/>
+              <a:t>blandit</a:t>
+            </a:r>
+            <a:r>
+              <a:rPr lang="en-US" altLang="en-US" sz="1500" dirty="0"/>
+              <a:t>. Integer lacinia ante ac libero </a:t>
+            </a:r>
+            <a:r>
+              <a:rPr lang="en-US" altLang="en-US" sz="1500" dirty="0" err="1"/>
+              <a:t>lobortis</a:t>
+            </a:r>
+            <a:r>
+              <a:rPr lang="en-US" altLang="en-US" sz="1500" dirty="0"/>
+              <a:t> </a:t>
+            </a:r>
+            <a:r>
+              <a:rPr lang="en-US" altLang="en-US" sz="1500" dirty="0" err="1"/>
+              <a:t>imperdiet</a:t>
+            </a:r>
+            <a:r>
+              <a:rPr lang="en-US" altLang="en-US" sz="1500" dirty="0"/>
+              <a:t>. </a:t>
+            </a:r>
+            <a:r>
+              <a:rPr lang="en-US" altLang="en-US" sz="1500" dirty="0" err="1"/>
+              <a:t>Nullam</a:t>
+            </a:r>
+            <a:r>
+              <a:rPr lang="en-US" altLang="en-US" sz="1500" dirty="0"/>
+              <a:t> </a:t>
+            </a:r>
+            <a:r>
+              <a:rPr lang="en-US" altLang="en-US" sz="1500" dirty="0" err="1"/>
+              <a:t>mollis</a:t>
+            </a:r>
+            <a:r>
+              <a:rPr lang="en-US" altLang="en-US" sz="1500" dirty="0"/>
+              <a:t> convallis ipsum, ac </a:t>
+            </a:r>
+            <a:r>
+              <a:rPr lang="en-US" altLang="en-US" sz="1500" dirty="0" err="1"/>
+              <a:t>accumsan</a:t>
+            </a:r>
+            <a:r>
+              <a:rPr lang="en-US" altLang="en-US" sz="1500" dirty="0"/>
+              <a:t> </a:t>
+            </a:r>
+            <a:r>
+              <a:rPr lang="en-US" altLang="en-US" sz="1500" dirty="0" err="1"/>
+              <a:t>nunc</a:t>
+            </a:r>
+            <a:r>
+              <a:rPr lang="en-US" altLang="en-US" sz="1500" dirty="0"/>
+              <a:t> </a:t>
+            </a:r>
+            <a:r>
+              <a:rPr lang="en-US" altLang="en-US" sz="1500" dirty="0" err="1"/>
+              <a:t>vehicula</a:t>
+            </a:r>
+            <a:r>
+              <a:rPr lang="en-US" altLang="en-US" sz="1500" dirty="0"/>
+              <a:t> vitae. </a:t>
+            </a:r>
+            <a:r>
+              <a:rPr lang="en-US" altLang="en-US" sz="1500" dirty="0" err="1"/>
+              <a:t>Nulla</a:t>
+            </a:r>
+            <a:r>
+              <a:rPr lang="en-US" altLang="en-US" sz="1500" dirty="0"/>
+              <a:t> </a:t>
+            </a:r>
+            <a:r>
+              <a:rPr lang="en-US" altLang="en-US" sz="1500" dirty="0" err="1"/>
+              <a:t>eget</a:t>
+            </a:r>
+            <a:r>
+              <a:rPr lang="en-US" altLang="en-US" sz="1500" dirty="0"/>
+              <a:t> </a:t>
+            </a:r>
+            <a:r>
+              <a:rPr lang="en-US" altLang="en-US" sz="1500" dirty="0" err="1"/>
+              <a:t>justo</a:t>
+            </a:r>
+            <a:r>
+              <a:rPr lang="en-US" altLang="en-US" sz="1500" dirty="0"/>
+              <a:t> in </a:t>
+            </a:r>
+            <a:r>
+              <a:rPr lang="en-US" altLang="en-US" sz="1500" dirty="0" err="1"/>
+              <a:t>felis</a:t>
+            </a:r>
+            <a:r>
+              <a:rPr lang="en-US" altLang="en-US" sz="1500" dirty="0"/>
+              <a:t> </a:t>
+            </a:r>
+            <a:r>
+              <a:rPr lang="en-US" altLang="en-US" sz="1500" dirty="0" err="1"/>
+              <a:t>tristique</a:t>
+            </a:r>
+            <a:r>
+              <a:rPr lang="en-US" altLang="en-US" sz="1500" dirty="0"/>
+              <a:t> </a:t>
+            </a:r>
+            <a:r>
+              <a:rPr lang="en-US" altLang="en-US" sz="1500" dirty="0" err="1"/>
+              <a:t>fringilla</a:t>
+            </a:r>
+            <a:r>
+              <a:rPr lang="en-US" altLang="en-US" sz="1500" dirty="0"/>
+              <a:t>. Morbi sit </a:t>
+            </a:r>
+            <a:r>
+              <a:rPr lang="en-US" altLang="en-US" sz="1500" dirty="0" err="1"/>
+              <a:t>amet</a:t>
+            </a:r>
+            <a:r>
+              <a:rPr lang="en-US" altLang="en-US" sz="1500" dirty="0"/>
+              <a:t> </a:t>
+            </a:r>
+            <a:r>
+              <a:rPr lang="en-US" altLang="en-US" sz="1500" dirty="0" err="1"/>
+              <a:t>tortor</a:t>
+            </a:r>
+            <a:r>
+              <a:rPr lang="en-US" altLang="en-US" sz="1500" dirty="0"/>
+              <a:t> </a:t>
+            </a:r>
+            <a:r>
+              <a:rPr lang="en-US" altLang="en-US" sz="1500" dirty="0" err="1"/>
+              <a:t>quis</a:t>
+            </a:r>
+            <a:r>
+              <a:rPr lang="en-US" altLang="en-US" sz="1500" dirty="0"/>
+              <a:t> </a:t>
+            </a:r>
+            <a:r>
+              <a:rPr lang="en-US" altLang="en-US" sz="1500" dirty="0" err="1"/>
+              <a:t>risus</a:t>
+            </a:r>
+            <a:r>
+              <a:rPr lang="en-US" altLang="en-US" sz="1500" dirty="0"/>
+              <a:t> auctor </a:t>
+            </a:r>
+            <a:r>
+              <a:rPr lang="en-US" altLang="en-US" sz="1500" dirty="0" err="1"/>
+              <a:t>condimentum</a:t>
+            </a:r>
+            <a:r>
+              <a:rPr lang="en-US" altLang="en-US" sz="1500" dirty="0"/>
+              <a:t>. Morbi in </a:t>
+            </a:r>
+            <a:r>
+              <a:rPr lang="en-US" altLang="en-US" sz="1500" dirty="0" err="1"/>
+              <a:t>ullamcorper</a:t>
+            </a:r>
+            <a:r>
+              <a:rPr lang="en-US" altLang="en-US" sz="1500" dirty="0"/>
+              <a:t> </a:t>
+            </a:r>
+            <a:r>
+              <a:rPr lang="en-US" altLang="en-US" sz="1500" dirty="0" err="1"/>
+              <a:t>elit</a:t>
+            </a:r>
+            <a:r>
+              <a:rPr lang="en-US" altLang="en-US" sz="1500" dirty="0"/>
+              <a:t>. </a:t>
+            </a:r>
+            <a:r>
+              <a:rPr lang="en-US" altLang="en-US" sz="1500" dirty="0" err="1"/>
+              <a:t>Nulla</a:t>
+            </a:r>
+            <a:r>
+              <a:rPr lang="en-US" altLang="en-US" sz="1500" dirty="0"/>
+              <a:t> </a:t>
+            </a:r>
+            <a:r>
+              <a:rPr lang="en-US" altLang="en-US" sz="1500" dirty="0" err="1"/>
+              <a:t>iaculis</a:t>
+            </a:r>
+            <a:r>
+              <a:rPr lang="en-US" altLang="en-US" sz="1500" dirty="0"/>
+              <a:t> </a:t>
+            </a:r>
+            <a:r>
+              <a:rPr lang="en-US" altLang="en-US" sz="1500" dirty="0" err="1"/>
+              <a:t>tellus</a:t>
+            </a:r>
+            <a:r>
+              <a:rPr lang="en-US" altLang="en-US" sz="1500" dirty="0"/>
+              <a:t> sit </a:t>
+            </a:r>
+            <a:r>
+              <a:rPr lang="en-US" altLang="en-US" sz="1500" dirty="0" err="1"/>
+              <a:t>amet</a:t>
+            </a:r>
+            <a:r>
+              <a:rPr lang="en-US" altLang="en-US" sz="1500" dirty="0"/>
+              <a:t> </a:t>
+            </a:r>
+            <a:r>
+              <a:rPr lang="en-US" altLang="en-US" sz="1500" dirty="0" err="1"/>
+              <a:t>mauris</a:t>
+            </a:r>
+            <a:r>
+              <a:rPr lang="en-US" altLang="en-US" sz="1500" dirty="0"/>
+              <a:t> tempus </a:t>
+            </a:r>
+            <a:r>
+              <a:rPr lang="en-US" altLang="en-US" sz="1500" dirty="0" err="1"/>
+              <a:t>fringilla</a:t>
+            </a:r>
+            <a:r>
+              <a:rPr lang="en-US" altLang="en-US" sz="1500" dirty="0"/>
+              <a:t>.</a:t>
             </a:r>
           </a:p>
           <a:p>
@@ -9263,7 +9807,7 @@
                 <a:tab pos="8686800" algn="l"/>
               </a:tabLst>
             </a:pPr>
-            <a:endParaRPr lang="en-US" altLang="en-US" sz="1500"/>
+            <a:endParaRPr lang="en-US" altLang="en-US" sz="1500" dirty="0"/>
           </a:p>
           <a:p>
             <a:pPr marL="0" indent="0">
@@ -9293,8 +9837,304 @@
               </a:tabLst>
             </a:pPr>
             <a:r>
-              <a:rPr lang="en-US" altLang="en-US" sz="1500"/>
-              <a:t>Maecenas mauris lectus, lobortis et purus mattis, blandit dictum tellus. Maecenas non lorem quis tellus placerat varius. Nulla facilisi. Aenean congue fringilla justo ut aliquam. Mauris id ex erat. Nunc vulputate neque vitae justo facilisis, non condimentum ante sagittis. Morbi viverra semper lorem nec molestie. Maecenas tincidunt est efficitur ligula euismod, sit amet ornare est vulputate.</a:t>
+              <a:rPr lang="en-US" altLang="en-US" sz="1500" dirty="0"/>
+              <a:t>Maecenas </a:t>
+            </a:r>
+            <a:r>
+              <a:rPr lang="en-US" altLang="en-US" sz="1500" dirty="0" err="1"/>
+              <a:t>mauris</a:t>
+            </a:r>
+            <a:r>
+              <a:rPr lang="en-US" altLang="en-US" sz="1500" dirty="0"/>
+              <a:t> </a:t>
+            </a:r>
+            <a:r>
+              <a:rPr lang="en-US" altLang="en-US" sz="1500" dirty="0" err="1"/>
+              <a:t>lectus</a:t>
+            </a:r>
+            <a:r>
+              <a:rPr lang="en-US" altLang="en-US" sz="1500" dirty="0"/>
+              <a:t>, </a:t>
+            </a:r>
+            <a:r>
+              <a:rPr lang="en-US" altLang="en-US" sz="1500" dirty="0" err="1"/>
+              <a:t>lobortis</a:t>
+            </a:r>
+            <a:r>
+              <a:rPr lang="en-US" altLang="en-US" sz="1500" dirty="0"/>
+              <a:t> et </a:t>
+            </a:r>
+            <a:r>
+              <a:rPr lang="en-US" altLang="en-US" sz="1500" dirty="0" err="1"/>
+              <a:t>purus</a:t>
+            </a:r>
+            <a:r>
+              <a:rPr lang="en-US" altLang="en-US" sz="1500" dirty="0"/>
+              <a:t> </a:t>
+            </a:r>
+            <a:r>
+              <a:rPr lang="en-US" altLang="en-US" sz="1500" dirty="0" err="1"/>
+              <a:t>mattis</a:t>
+            </a:r>
+            <a:r>
+              <a:rPr lang="en-US" altLang="en-US" sz="1500" dirty="0"/>
+              <a:t>, </a:t>
+            </a:r>
+            <a:r>
+              <a:rPr lang="en-US" altLang="en-US" sz="1500" dirty="0" err="1"/>
+              <a:t>blandit</a:t>
+            </a:r>
+            <a:r>
+              <a:rPr lang="en-US" altLang="en-US" sz="1500" dirty="0"/>
+              <a:t> dictum </a:t>
+            </a:r>
+            <a:r>
+              <a:rPr lang="en-US" altLang="en-US" sz="1500" dirty="0" err="1"/>
+              <a:t>tellus</a:t>
+            </a:r>
+            <a:r>
+              <a:rPr lang="en-US" altLang="en-US" sz="1500" dirty="0"/>
+              <a:t>. Maecenas non lorem </a:t>
+            </a:r>
+            <a:r>
+              <a:rPr lang="en-US" altLang="en-US" sz="1500" dirty="0" err="1"/>
+              <a:t>quis</a:t>
+            </a:r>
+            <a:r>
+              <a:rPr lang="en-US" altLang="en-US" sz="1500" dirty="0"/>
+              <a:t> </a:t>
+            </a:r>
+            <a:r>
+              <a:rPr lang="en-US" altLang="en-US" sz="1500" dirty="0" err="1"/>
+              <a:t>tellus</a:t>
+            </a:r>
+            <a:r>
+              <a:rPr lang="en-US" altLang="en-US" sz="1500" dirty="0"/>
+              <a:t> </a:t>
+            </a:r>
+            <a:r>
+              <a:rPr lang="en-US" altLang="en-US" sz="1500" dirty="0" err="1"/>
+              <a:t>placerat</a:t>
+            </a:r>
+            <a:r>
+              <a:rPr lang="en-US" altLang="en-US" sz="1500" dirty="0"/>
+              <a:t> </a:t>
+            </a:r>
+            <a:r>
+              <a:rPr lang="en-US" altLang="en-US" sz="1500" dirty="0" err="1"/>
+              <a:t>varius</a:t>
+            </a:r>
+            <a:r>
+              <a:rPr lang="en-US" altLang="en-US" sz="1500" dirty="0"/>
+              <a:t>. </a:t>
+            </a:r>
+            <a:r>
+              <a:rPr lang="en-US" altLang="en-US" sz="1500" dirty="0" err="1"/>
+              <a:t>Nulla</a:t>
+            </a:r>
+            <a:r>
+              <a:rPr lang="en-US" altLang="en-US" sz="1500" dirty="0"/>
+              <a:t> </a:t>
+            </a:r>
+            <a:r>
+              <a:rPr lang="en-US" altLang="en-US" sz="1500" dirty="0" err="1"/>
+              <a:t>facilisi</a:t>
+            </a:r>
+            <a:r>
+              <a:rPr lang="en-US" altLang="en-US" sz="1500" dirty="0"/>
+              <a:t>. Aenean </a:t>
+            </a:r>
+            <a:r>
+              <a:rPr lang="en-US" altLang="en-US" sz="1500" dirty="0" err="1"/>
+              <a:t>congue</a:t>
+            </a:r>
+            <a:r>
+              <a:rPr lang="en-US" altLang="en-US" sz="1500" dirty="0"/>
+              <a:t> </a:t>
+            </a:r>
+            <a:r>
+              <a:rPr lang="en-US" altLang="en-US" sz="1500" dirty="0" err="1"/>
+              <a:t>fringilla</a:t>
+            </a:r>
+            <a:r>
+              <a:rPr lang="en-US" altLang="en-US" sz="1500" dirty="0"/>
+              <a:t> </a:t>
+            </a:r>
+            <a:r>
+              <a:rPr lang="en-US" altLang="en-US" sz="1500" dirty="0" err="1"/>
+              <a:t>justo</a:t>
+            </a:r>
+            <a:r>
+              <a:rPr lang="en-US" altLang="en-US" sz="1500" dirty="0"/>
+              <a:t> </a:t>
+            </a:r>
+            <a:r>
+              <a:rPr lang="en-US" altLang="en-US" sz="1500" dirty="0" err="1"/>
+              <a:t>ut</a:t>
+            </a:r>
+            <a:r>
+              <a:rPr lang="en-US" altLang="en-US" sz="1500" dirty="0"/>
+              <a:t> </a:t>
+            </a:r>
+            <a:r>
+              <a:rPr lang="en-US" altLang="en-US" sz="1500" dirty="0" err="1"/>
+              <a:t>aliquam</a:t>
+            </a:r>
+            <a:r>
+              <a:rPr lang="en-US" altLang="en-US" sz="1500" dirty="0"/>
+              <a:t>. </a:t>
+            </a:r>
+            <a:r>
+              <a:rPr lang="en-US" altLang="en-US" sz="1500" dirty="0" err="1"/>
+              <a:t>Mauris</a:t>
+            </a:r>
+            <a:r>
+              <a:rPr lang="en-US" altLang="en-US" sz="1500" dirty="0"/>
+              <a:t> id ex </a:t>
+            </a:r>
+            <a:r>
+              <a:rPr lang="en-US" altLang="en-US" sz="1500" dirty="0" err="1"/>
+              <a:t>erat</a:t>
+            </a:r>
+            <a:r>
+              <a:rPr lang="en-US" altLang="en-US" sz="1500" dirty="0"/>
+              <a:t>. Nunc </a:t>
+            </a:r>
+            <a:r>
+              <a:rPr lang="en-US" altLang="en-US" sz="1500" dirty="0" err="1"/>
+              <a:t>vulputate</a:t>
+            </a:r>
+            <a:r>
+              <a:rPr lang="en-US" altLang="en-US" sz="1500" dirty="0"/>
+              <a:t> </a:t>
+            </a:r>
+            <a:r>
+              <a:rPr lang="en-US" altLang="en-US" sz="1500" dirty="0" err="1"/>
+              <a:t>neque</a:t>
+            </a:r>
+            <a:r>
+              <a:rPr lang="en-US" altLang="en-US" sz="1500" dirty="0"/>
+              <a:t> vitae </a:t>
+            </a:r>
+            <a:r>
+              <a:rPr lang="en-US" altLang="en-US" sz="1500" dirty="0" err="1"/>
+              <a:t>justo</a:t>
+            </a:r>
+            <a:r>
+              <a:rPr lang="en-US" altLang="en-US" sz="1500" dirty="0"/>
+              <a:t> </a:t>
+            </a:r>
+            <a:r>
+              <a:rPr lang="en-US" altLang="en-US" sz="1500" dirty="0" err="1"/>
+              <a:t>facilisis</a:t>
+            </a:r>
+            <a:r>
+              <a:rPr lang="en-US" altLang="en-US" sz="1500" dirty="0"/>
+              <a:t>, non </a:t>
+            </a:r>
+            <a:r>
+              <a:rPr lang="en-US" altLang="en-US" sz="1500" dirty="0" err="1"/>
+              <a:t>condimentum</a:t>
+            </a:r>
+            <a:r>
+              <a:rPr lang="en-US" altLang="en-US" sz="1500" dirty="0"/>
+              <a:t> ante </a:t>
+            </a:r>
+            <a:r>
+              <a:rPr lang="en-US" altLang="en-US" sz="1500" dirty="0" err="1"/>
+              <a:t>sagittis</a:t>
+            </a:r>
+            <a:r>
+              <a:rPr lang="en-US" altLang="en-US" sz="1500" dirty="0"/>
+              <a:t>. Morbi </a:t>
+            </a:r>
+            <a:r>
+              <a:rPr lang="en-US" altLang="en-US" sz="1500" dirty="0" err="1"/>
+              <a:t>viverra</a:t>
+            </a:r>
+            <a:r>
+              <a:rPr lang="en-US" altLang="en-US" sz="1500" dirty="0"/>
+              <a:t> semper lorem </a:t>
+            </a:r>
+            <a:r>
+              <a:rPr lang="en-US" altLang="en-US" sz="1500" dirty="0" err="1"/>
+              <a:t>nec</a:t>
+            </a:r>
+            <a:r>
+              <a:rPr lang="en-US" altLang="en-US" sz="1500" dirty="0"/>
+              <a:t> </a:t>
+            </a:r>
+            <a:r>
+              <a:rPr lang="en-US" altLang="en-US" sz="1500" dirty="0" err="1"/>
+              <a:t>molestie</a:t>
+            </a:r>
+            <a:r>
+              <a:rPr lang="en-US" altLang="en-US" sz="1500" dirty="0"/>
+              <a:t>. Maecenas </a:t>
+            </a:r>
+            <a:r>
+              <a:rPr lang="en-US" altLang="en-US" sz="1500" dirty="0" err="1"/>
+              <a:t>tincidunt</a:t>
+            </a:r>
+            <a:r>
+              <a:rPr lang="en-US" altLang="en-US" sz="1500" dirty="0"/>
+              <a:t> </a:t>
+            </a:r>
+            <a:r>
+              <a:rPr lang="en-US" altLang="en-US" sz="1500" dirty="0" err="1"/>
+              <a:t>est</a:t>
+            </a:r>
+            <a:r>
+              <a:rPr lang="en-US" altLang="en-US" sz="1500" dirty="0"/>
+              <a:t> </a:t>
+            </a:r>
+            <a:r>
+              <a:rPr lang="en-US" altLang="en-US" sz="1500" dirty="0" err="1"/>
+              <a:t>efficitur</a:t>
+            </a:r>
+            <a:r>
+              <a:rPr lang="en-US" altLang="en-US" sz="1500" dirty="0"/>
+              <a:t> ligula </a:t>
+            </a:r>
+            <a:r>
+              <a:rPr lang="en-US" altLang="en-US" sz="1500" dirty="0" err="1"/>
+              <a:t>euismod</a:t>
+            </a:r>
+            <a:r>
+              <a:rPr lang="en-US" altLang="en-US" sz="1500" dirty="0"/>
+              <a:t>, sit </a:t>
+            </a:r>
+            <a:r>
+              <a:rPr lang="en-US" altLang="en-US" sz="1500" dirty="0" err="1"/>
+              <a:t>amet</a:t>
+            </a:r>
+            <a:r>
+              <a:rPr lang="en-US" altLang="en-US" sz="1500" dirty="0"/>
+              <a:t> </a:t>
+            </a:r>
+            <a:r>
+              <a:rPr lang="en-US" altLang="en-US" sz="1500" dirty="0" err="1"/>
+              <a:t>ornare</a:t>
+            </a:r>
+            <a:r>
+              <a:rPr lang="en-US" altLang="en-US" sz="1500" dirty="0"/>
+              <a:t> </a:t>
+            </a:r>
+            <a:r>
+              <a:rPr lang="en-US" altLang="en-US" sz="1500" dirty="0" err="1"/>
+              <a:t>est</a:t>
+            </a:r>
+            <a:r>
+              <a:rPr lang="en-US" altLang="en-US" sz="1500" dirty="0"/>
+              <a:t> </a:t>
+            </a:r>
+            <a:r>
+              <a:rPr lang="en-US" altLang="en-US" sz="1500" dirty="0" err="1"/>
+              <a:t>vulputate</a:t>
+            </a:r>
+            <a:r>
+              <a:rPr lang="en-US" altLang="en-US" sz="1500" dirty="0"/>
+              <a:t>.</a:t>
             </a:r>
           </a:p>
           <a:p>
@@ -9324,7 +10164,7 @@
                 <a:tab pos="8686800" algn="l"/>
               </a:tabLst>
             </a:pPr>
-            <a:endParaRPr lang="en-US" altLang="en-US" sz="1500"/>
+            <a:endParaRPr lang="en-US" altLang="en-US" sz="1500" dirty="0"/>
           </a:p>
         </p:txBody>
       </p:sp>
@@ -9337,7 +10177,7 @@
   <p:timing>
     <p:tnLst>
       <p:par>
-        <p:cTn id="1" dur="indefinite" nodeType="tmRoot">
+        <p:cTn id="1" dur="indefinite" restart="never" nodeType="tmRoot">
           <p:childTnLst>
             <p:seq concurrent="1" nextAc="seek">
               <p:cTn id="2" dur="indefinite" nodeType="mainSeq">
@@ -9606,7 +10446,7 @@
           <a:graphicData uri="http://schemas.openxmlformats.org/presentationml/2006/ole">
             <mc:AlternateContent xmlns:mc="http://schemas.openxmlformats.org/markup-compatibility/2006">
               <mc:Choice xmlns:v="urn:schemas-microsoft-com:vml" Requires="v">
-                <p:oleObj spid="_x0000_s5124" r:id="rId4" imgW="6866280" imgH="3598920" progId="">
+                <p:oleObj spid="_x0000_s5126" r:id="rId4" imgW="6866280" imgH="3598920" progId="">
                   <p:embed/>
                 </p:oleObj>
               </mc:Choice>
@@ -9683,7 +10523,7 @@
   <p:timing>
     <p:tnLst>
       <p:par>
-        <p:cTn id="1" dur="indefinite" nodeType="tmRoot">
+        <p:cTn id="1" dur="indefinite" restart="never" nodeType="tmRoot">
           <p:childTnLst>
             <p:seq concurrent="1" nextAc="seek">
               <p:cTn id="2" dur="indefinite" nodeType="mainSeq">
@@ -32385,7 +33225,7 @@
   <p:timing>
     <p:tnLst>
       <p:par>
-        <p:cTn id="1" dur="indefinite" nodeType="tmRoot">
+        <p:cTn id="1" dur="indefinite" restart="never" nodeType="tmRoot">
           <p:childTnLst>
             <p:seq concurrent="1" nextAc="seek">
               <p:cTn id="2" dur="indefinite" nodeType="mainSeq">
